--- a/analysis/poster_presentation/Combating Misinformation - A Qualitative Analysis of a Pilot Study.pptx
+++ b/analysis/poster_presentation/Combating Misinformation - A Qualitative Analysis of a Pilot Study.pptx
@@ -2112,7 +2112,7 @@
           <a:p>
             <a:fld id="{7750B8A2-7F95-104C-A50C-A9258E79083D}" type="datetimeFigureOut">
               <a:rPr lang="en-US" smtClean="0"/>
-              <a:t>4/25/2025</a:t>
+              <a:t>4/27/2025</a:t>
             </a:fld>
             <a:endParaRPr lang="en-US"/>
           </a:p>
@@ -2282,7 +2282,7 @@
           <a:p>
             <a:fld id="{7750B8A2-7F95-104C-A50C-A9258E79083D}" type="datetimeFigureOut">
               <a:rPr lang="en-US" smtClean="0"/>
-              <a:t>4/25/2025</a:t>
+              <a:t>4/27/2025</a:t>
             </a:fld>
             <a:endParaRPr lang="en-US"/>
           </a:p>
@@ -2462,7 +2462,7 @@
           <a:p>
             <a:fld id="{7750B8A2-7F95-104C-A50C-A9258E79083D}" type="datetimeFigureOut">
               <a:rPr lang="en-US" smtClean="0"/>
-              <a:t>4/25/2025</a:t>
+              <a:t>4/27/2025</a:t>
             </a:fld>
             <a:endParaRPr lang="en-US"/>
           </a:p>
@@ -2632,7 +2632,7 @@
           <a:p>
             <a:fld id="{7750B8A2-7F95-104C-A50C-A9258E79083D}" type="datetimeFigureOut">
               <a:rPr lang="en-US" smtClean="0"/>
-              <a:t>4/25/2025</a:t>
+              <a:t>4/27/2025</a:t>
             </a:fld>
             <a:endParaRPr lang="en-US"/>
           </a:p>
@@ -2878,7 +2878,7 @@
           <a:p>
             <a:fld id="{7750B8A2-7F95-104C-A50C-A9258E79083D}" type="datetimeFigureOut">
               <a:rPr lang="en-US" smtClean="0"/>
-              <a:t>4/25/2025</a:t>
+              <a:t>4/27/2025</a:t>
             </a:fld>
             <a:endParaRPr lang="en-US"/>
           </a:p>
@@ -3110,7 +3110,7 @@
           <a:p>
             <a:fld id="{7750B8A2-7F95-104C-A50C-A9258E79083D}" type="datetimeFigureOut">
               <a:rPr lang="en-US" smtClean="0"/>
-              <a:t>4/25/2025</a:t>
+              <a:t>4/27/2025</a:t>
             </a:fld>
             <a:endParaRPr lang="en-US"/>
           </a:p>
@@ -3477,7 +3477,7 @@
           <a:p>
             <a:fld id="{7750B8A2-7F95-104C-A50C-A9258E79083D}" type="datetimeFigureOut">
               <a:rPr lang="en-US" smtClean="0"/>
-              <a:t>4/25/2025</a:t>
+              <a:t>4/27/2025</a:t>
             </a:fld>
             <a:endParaRPr lang="en-US"/>
           </a:p>
@@ -3595,7 +3595,7 @@
           <a:p>
             <a:fld id="{7750B8A2-7F95-104C-A50C-A9258E79083D}" type="datetimeFigureOut">
               <a:rPr lang="en-US" smtClean="0"/>
-              <a:t>4/25/2025</a:t>
+              <a:t>4/27/2025</a:t>
             </a:fld>
             <a:endParaRPr lang="en-US"/>
           </a:p>
@@ -3690,7 +3690,7 @@
           <a:p>
             <a:fld id="{7750B8A2-7F95-104C-A50C-A9258E79083D}" type="datetimeFigureOut">
               <a:rPr lang="en-US" smtClean="0"/>
-              <a:t>4/25/2025</a:t>
+              <a:t>4/27/2025</a:t>
             </a:fld>
             <a:endParaRPr lang="en-US"/>
           </a:p>
@@ -3967,7 +3967,7 @@
           <a:p>
             <a:fld id="{7750B8A2-7F95-104C-A50C-A9258E79083D}" type="datetimeFigureOut">
               <a:rPr lang="en-US" smtClean="0"/>
-              <a:t>4/25/2025</a:t>
+              <a:t>4/27/2025</a:t>
             </a:fld>
             <a:endParaRPr lang="en-US"/>
           </a:p>
@@ -4224,7 +4224,7 @@
           <a:p>
             <a:fld id="{7750B8A2-7F95-104C-A50C-A9258E79083D}" type="datetimeFigureOut">
               <a:rPr lang="en-US" smtClean="0"/>
-              <a:t>4/25/2025</a:t>
+              <a:t>4/27/2025</a:t>
             </a:fld>
             <a:endParaRPr lang="en-US"/>
           </a:p>
@@ -4437,7 +4437,7 @@
           <a:p>
             <a:fld id="{7750B8A2-7F95-104C-A50C-A9258E79083D}" type="datetimeFigureOut">
               <a:rPr lang="en-US" smtClean="0"/>
-              <a:t>4/25/2025</a:t>
+              <a:t>4/27/2025</a:t>
             </a:fld>
             <a:endParaRPr lang="en-US"/>
           </a:p>
@@ -4844,274 +4844,6 @@
       </p:grpSpPr>
       <p:sp>
         <p:nvSpPr>
-          <p:cNvPr id="4" name="Pentagon 3">
-            <a:extLst>
-              <a:ext uri="{FF2B5EF4-FFF2-40B4-BE49-F238E27FC236}">
-                <a16:creationId xmlns:a16="http://schemas.microsoft.com/office/drawing/2014/main" id="{5A0B2889-83DC-4674-EF5E-395D62AAA101}"/>
-              </a:ext>
-            </a:extLst>
-          </p:cNvPr>
-          <p:cNvSpPr/>
-          <p:nvPr/>
-        </p:nvSpPr>
-        <p:spPr>
-          <a:xfrm>
-            <a:off x="457200" y="457200"/>
-            <a:ext cx="18745200" cy="7315200"/>
-          </a:xfrm>
-          <a:prstGeom prst="homePlate">
-            <a:avLst>
-              <a:gd name="adj" fmla="val 21667"/>
-            </a:avLst>
-          </a:prstGeom>
-          <a:solidFill>
-            <a:schemeClr val="tx2"/>
-          </a:solidFill>
-          <a:ln>
-            <a:noFill/>
-          </a:ln>
-        </p:spPr>
-        <p:style>
-          <a:lnRef idx="2">
-            <a:schemeClr val="accent1">
-              <a:shade val="15000"/>
-            </a:schemeClr>
-          </a:lnRef>
-          <a:fillRef idx="1">
-            <a:schemeClr val="accent1"/>
-          </a:fillRef>
-          <a:effectRef idx="0">
-            <a:schemeClr val="accent1"/>
-          </a:effectRef>
-          <a:fontRef idx="minor">
-            <a:schemeClr val="lt1"/>
-          </a:fontRef>
-        </p:style>
-        <p:txBody>
-          <a:bodyPr rtlCol="0" anchor="ctr"/>
-          <a:lstStyle/>
-          <a:p>
-            <a:pPr algn="ctr"/>
-            <a:endParaRPr lang="en-US" dirty="0"/>
-          </a:p>
-        </p:txBody>
-      </p:sp>
-      <p:sp>
-        <p:nvSpPr>
-          <p:cNvPr id="5" name="Chevron 4">
-            <a:extLst>
-              <a:ext uri="{FF2B5EF4-FFF2-40B4-BE49-F238E27FC236}">
-                <a16:creationId xmlns:a16="http://schemas.microsoft.com/office/drawing/2014/main" id="{3027C18F-3894-7D0C-38B2-B5A77FEE3341}"/>
-              </a:ext>
-            </a:extLst>
-          </p:cNvPr>
-          <p:cNvSpPr/>
-          <p:nvPr/>
-        </p:nvSpPr>
-        <p:spPr>
-          <a:xfrm>
-            <a:off x="18002250" y="457200"/>
-            <a:ext cx="6400800" cy="7315200"/>
-          </a:xfrm>
-          <a:prstGeom prst="chevron">
-            <a:avLst>
-              <a:gd name="adj" fmla="val 25035"/>
-            </a:avLst>
-          </a:prstGeom>
-          <a:solidFill>
-            <a:schemeClr val="accent1">
-              <a:lumMod val="60000"/>
-              <a:lumOff val="40000"/>
-            </a:schemeClr>
-          </a:solidFill>
-          <a:ln>
-            <a:noFill/>
-          </a:ln>
-        </p:spPr>
-        <p:style>
-          <a:lnRef idx="2">
-            <a:schemeClr val="accent1">
-              <a:shade val="15000"/>
-            </a:schemeClr>
-          </a:lnRef>
-          <a:fillRef idx="1">
-            <a:schemeClr val="accent1"/>
-          </a:fillRef>
-          <a:effectRef idx="0">
-            <a:schemeClr val="accent1"/>
-          </a:effectRef>
-          <a:fontRef idx="minor">
-            <a:schemeClr val="lt1"/>
-          </a:fontRef>
-        </p:style>
-        <p:txBody>
-          <a:bodyPr rtlCol="0" anchor="ctr"/>
-          <a:lstStyle/>
-          <a:p>
-            <a:pPr algn="ctr"/>
-            <a:endParaRPr lang="en-US" dirty="0">
-              <a:solidFill>
-                <a:schemeClr val="tx1"/>
-              </a:solidFill>
-            </a:endParaRPr>
-          </a:p>
-        </p:txBody>
-      </p:sp>
-      <p:sp>
-        <p:nvSpPr>
-          <p:cNvPr id="9" name="TextBox 8">
-            <a:extLst>
-              <a:ext uri="{FF2B5EF4-FFF2-40B4-BE49-F238E27FC236}">
-                <a16:creationId xmlns:a16="http://schemas.microsoft.com/office/drawing/2014/main" id="{1C8F1F7A-126A-0D93-59B8-51CEE6A53B3E}"/>
-              </a:ext>
-            </a:extLst>
-          </p:cNvPr>
-          <p:cNvSpPr txBox="1"/>
-          <p:nvPr/>
-        </p:nvSpPr>
-        <p:spPr>
-          <a:xfrm>
-            <a:off x="1463040" y="1913989"/>
-            <a:ext cx="14965680" cy="2862322"/>
-          </a:xfrm>
-          <a:prstGeom prst="rect">
-            <a:avLst/>
-          </a:prstGeom>
-          <a:noFill/>
-        </p:spPr>
-        <p:txBody>
-          <a:bodyPr wrap="square" rtlCol="0" anchor="ctr">
-            <a:spAutoFit/>
-          </a:bodyPr>
-          <a:lstStyle/>
-          <a:p>
-            <a:r>
-              <a:rPr lang="en-US" sz="6000" b="1" dirty="0">
-                <a:solidFill>
-                  <a:schemeClr val="bg1"/>
-                </a:solidFill>
-                <a:latin typeface="Avenir Next LT Pro" panose="020B0504020202020204" pitchFamily="34" charset="77"/>
-              </a:rPr>
-              <a:t>Can a Comedic </a:t>
-            </a:r>
-            <a:r>
-              <a:rPr lang="en-US" sz="6000" b="1">
-                <a:solidFill>
-                  <a:schemeClr val="bg1"/>
-                </a:solidFill>
-                <a:latin typeface="Avenir Next LT Pro" panose="020B0504020202020204" pitchFamily="34" charset="77"/>
-              </a:rPr>
-              <a:t>Advertisement Help Combat </a:t>
-            </a:r>
-            <a:r>
-              <a:rPr lang="en-US" sz="6000" b="1" dirty="0">
-                <a:solidFill>
-                  <a:schemeClr val="bg1"/>
-                </a:solidFill>
-                <a:latin typeface="Avenir Next LT Pro" panose="020B0504020202020204" pitchFamily="34" charset="77"/>
-              </a:rPr>
-              <a:t>Misinformation? A Qualitative Analysis of a Pilot Study</a:t>
-            </a:r>
-          </a:p>
-        </p:txBody>
-      </p:sp>
-      <p:sp>
-        <p:nvSpPr>
-          <p:cNvPr id="10" name="TextBox 9">
-            <a:extLst>
-              <a:ext uri="{FF2B5EF4-FFF2-40B4-BE49-F238E27FC236}">
-                <a16:creationId xmlns:a16="http://schemas.microsoft.com/office/drawing/2014/main" id="{9F6DC3B6-15FF-4C98-F03F-F1BF0E81C8CF}"/>
-              </a:ext>
-            </a:extLst>
-          </p:cNvPr>
-          <p:cNvSpPr txBox="1"/>
-          <p:nvPr/>
-        </p:nvSpPr>
-        <p:spPr>
-          <a:xfrm>
-            <a:off x="1463040" y="4604651"/>
-            <a:ext cx="14965680" cy="1107996"/>
-          </a:xfrm>
-          <a:prstGeom prst="rect">
-            <a:avLst/>
-          </a:prstGeom>
-          <a:noFill/>
-        </p:spPr>
-        <p:txBody>
-          <a:bodyPr wrap="square" rtlCol="0" anchor="ctr">
-            <a:spAutoFit/>
-          </a:bodyPr>
-          <a:lstStyle/>
-          <a:p>
-            <a:r>
-              <a:rPr lang="en-US" sz="6600" b="1" dirty="0">
-                <a:solidFill>
-                  <a:schemeClr val="bg1"/>
-                </a:solidFill>
-                <a:latin typeface="Avenir Next LT Pro" panose="020B0504020202020204" pitchFamily="34" charset="77"/>
-              </a:rPr>
-              <a:t>Kendall Beaver</a:t>
-            </a:r>
-          </a:p>
-        </p:txBody>
-      </p:sp>
-      <p:sp>
-        <p:nvSpPr>
-          <p:cNvPr id="11" name="TextBox 10">
-            <a:extLst>
-              <a:ext uri="{FF2B5EF4-FFF2-40B4-BE49-F238E27FC236}">
-                <a16:creationId xmlns:a16="http://schemas.microsoft.com/office/drawing/2014/main" id="{71198150-E6D1-23CF-1357-7D271985768B}"/>
-              </a:ext>
-            </a:extLst>
-          </p:cNvPr>
-          <p:cNvSpPr txBox="1"/>
-          <p:nvPr/>
-        </p:nvSpPr>
-        <p:spPr>
-          <a:xfrm>
-            <a:off x="1341120" y="5916690"/>
-            <a:ext cx="14965680" cy="1015663"/>
-          </a:xfrm>
-          <a:prstGeom prst="rect">
-            <a:avLst/>
-          </a:prstGeom>
-          <a:noFill/>
-        </p:spPr>
-        <p:txBody>
-          <a:bodyPr wrap="square" rtlCol="0" anchor="ctr">
-            <a:spAutoFit/>
-          </a:bodyPr>
-          <a:lstStyle/>
-          <a:p>
-            <a:r>
-              <a:rPr lang="en-US" sz="6000" b="1" baseline="30000" dirty="0">
-                <a:solidFill>
-                  <a:schemeClr val="bg1"/>
-                </a:solidFill>
-                <a:latin typeface="Avenir Next LT Pro" panose="020B0504020202020204" pitchFamily="34" charset="77"/>
-              </a:rPr>
-              <a:t>1</a:t>
-            </a:r>
-            <a:r>
-              <a:rPr lang="en-US" sz="6000" b="1" dirty="0">
-                <a:solidFill>
-                  <a:schemeClr val="bg1"/>
-                </a:solidFill>
-                <a:latin typeface="Avenir Next LT Pro" panose="020B0504020202020204" pitchFamily="34" charset="77"/>
-              </a:rPr>
-              <a:t>Affiliations</a:t>
-            </a:r>
-            <a:endParaRPr lang="en-US" sz="6000" b="1" baseline="30000" dirty="0">
-              <a:solidFill>
-                <a:schemeClr val="bg1"/>
-              </a:solidFill>
-              <a:latin typeface="Avenir Next LT Pro" panose="020B0504020202020204" pitchFamily="34" charset="77"/>
-            </a:endParaRPr>
-          </a:p>
-        </p:txBody>
-      </p:sp>
-      <p:sp>
-        <p:nvSpPr>
           <p:cNvPr id="17" name="Chevron 16">
             <a:extLst>
               <a:ext uri="{FF2B5EF4-FFF2-40B4-BE49-F238E27FC236}">
@@ -5166,6 +4898,348 @@
               <a:solidFill>
                 <a:schemeClr val="tx1"/>
               </a:solidFill>
+            </a:endParaRPr>
+          </a:p>
+        </p:txBody>
+      </p:sp>
+      <p:sp>
+        <p:nvSpPr>
+          <p:cNvPr id="4" name="Pentagon 3">
+            <a:extLst>
+              <a:ext uri="{FF2B5EF4-FFF2-40B4-BE49-F238E27FC236}">
+                <a16:creationId xmlns:a16="http://schemas.microsoft.com/office/drawing/2014/main" id="{5A0B2889-83DC-4674-EF5E-395D62AAA101}"/>
+              </a:ext>
+            </a:extLst>
+          </p:cNvPr>
+          <p:cNvSpPr/>
+          <p:nvPr/>
+        </p:nvSpPr>
+        <p:spPr>
+          <a:xfrm>
+            <a:off x="457200" y="457200"/>
+            <a:ext cx="23977600" cy="7315200"/>
+          </a:xfrm>
+          <a:prstGeom prst="homePlate">
+            <a:avLst>
+              <a:gd name="adj" fmla="val 21667"/>
+            </a:avLst>
+          </a:prstGeom>
+          <a:solidFill>
+            <a:schemeClr val="tx2"/>
+          </a:solidFill>
+          <a:ln>
+            <a:noFill/>
+          </a:ln>
+        </p:spPr>
+        <p:style>
+          <a:lnRef idx="2">
+            <a:schemeClr val="accent1">
+              <a:shade val="15000"/>
+            </a:schemeClr>
+          </a:lnRef>
+          <a:fillRef idx="1">
+            <a:schemeClr val="accent1"/>
+          </a:fillRef>
+          <a:effectRef idx="0">
+            <a:schemeClr val="accent1"/>
+          </a:effectRef>
+          <a:fontRef idx="minor">
+            <a:schemeClr val="lt1"/>
+          </a:fontRef>
+        </p:style>
+        <p:txBody>
+          <a:bodyPr rtlCol="0" anchor="ctr"/>
+          <a:lstStyle/>
+          <a:p>
+            <a:pPr algn="ctr"/>
+            <a:endParaRPr lang="en-US" dirty="0"/>
+          </a:p>
+        </p:txBody>
+      </p:sp>
+      <p:sp>
+        <p:nvSpPr>
+          <p:cNvPr id="5" name="Chevron 4">
+            <a:extLst>
+              <a:ext uri="{FF2B5EF4-FFF2-40B4-BE49-F238E27FC236}">
+                <a16:creationId xmlns:a16="http://schemas.microsoft.com/office/drawing/2014/main" id="{3027C18F-3894-7D0C-38B2-B5A77FEE3341}"/>
+              </a:ext>
+            </a:extLst>
+          </p:cNvPr>
+          <p:cNvSpPr/>
+          <p:nvPr/>
+        </p:nvSpPr>
+        <p:spPr>
+          <a:xfrm>
+            <a:off x="23234650" y="457200"/>
+            <a:ext cx="6400800" cy="7315200"/>
+          </a:xfrm>
+          <a:prstGeom prst="chevron">
+            <a:avLst>
+              <a:gd name="adj" fmla="val 25035"/>
+            </a:avLst>
+          </a:prstGeom>
+          <a:solidFill>
+            <a:schemeClr val="accent1">
+              <a:lumMod val="60000"/>
+              <a:lumOff val="40000"/>
+            </a:schemeClr>
+          </a:solidFill>
+          <a:ln>
+            <a:noFill/>
+          </a:ln>
+        </p:spPr>
+        <p:style>
+          <a:lnRef idx="2">
+            <a:schemeClr val="accent1">
+              <a:shade val="15000"/>
+            </a:schemeClr>
+          </a:lnRef>
+          <a:fillRef idx="1">
+            <a:schemeClr val="accent1"/>
+          </a:fillRef>
+          <a:effectRef idx="0">
+            <a:schemeClr val="accent1"/>
+          </a:effectRef>
+          <a:fontRef idx="minor">
+            <a:schemeClr val="lt1"/>
+          </a:fontRef>
+        </p:style>
+        <p:txBody>
+          <a:bodyPr rtlCol="0" anchor="ctr"/>
+          <a:lstStyle/>
+          <a:p>
+            <a:pPr algn="ctr"/>
+            <a:endParaRPr lang="en-US" dirty="0">
+              <a:solidFill>
+                <a:schemeClr val="tx1"/>
+              </a:solidFill>
+            </a:endParaRPr>
+          </a:p>
+        </p:txBody>
+      </p:sp>
+      <p:sp>
+        <p:nvSpPr>
+          <p:cNvPr id="9" name="TextBox 8">
+            <a:extLst>
+              <a:ext uri="{FF2B5EF4-FFF2-40B4-BE49-F238E27FC236}">
+                <a16:creationId xmlns:a16="http://schemas.microsoft.com/office/drawing/2014/main" id="{1C8F1F7A-126A-0D93-59B8-51CEE6A53B3E}"/>
+              </a:ext>
+            </a:extLst>
+          </p:cNvPr>
+          <p:cNvSpPr txBox="1"/>
+          <p:nvPr/>
+        </p:nvSpPr>
+        <p:spPr>
+          <a:xfrm>
+            <a:off x="1463040" y="2241231"/>
+            <a:ext cx="21701760" cy="2308324"/>
+          </a:xfrm>
+          <a:prstGeom prst="rect">
+            <a:avLst/>
+          </a:prstGeom>
+          <a:noFill/>
+        </p:spPr>
+        <p:txBody>
+          <a:bodyPr wrap="square" rtlCol="0" anchor="ctr">
+            <a:spAutoFit/>
+          </a:bodyPr>
+          <a:lstStyle/>
+          <a:p>
+            <a:r>
+              <a:rPr lang="en-US" sz="7200" b="1" dirty="0">
+                <a:solidFill>
+                  <a:schemeClr val="bg1"/>
+                </a:solidFill>
+                <a:latin typeface="Avenir Next LT Pro" panose="020B0504020202020204" pitchFamily="34" charset="77"/>
+              </a:rPr>
+              <a:t>Combating Misinformation with an Audio Ad: </a:t>
+            </a:r>
+          </a:p>
+          <a:p>
+            <a:r>
+              <a:rPr lang="en-US" sz="7200" b="1" dirty="0">
+                <a:solidFill>
+                  <a:schemeClr val="bg1"/>
+                </a:solidFill>
+                <a:latin typeface="Avenir Next LT Pro" panose="020B0504020202020204" pitchFamily="34" charset="77"/>
+              </a:rPr>
+              <a:t>A Qualitative Analysis of a Pilot Study</a:t>
+            </a:r>
+          </a:p>
+        </p:txBody>
+      </p:sp>
+      <p:sp>
+        <p:nvSpPr>
+          <p:cNvPr id="10" name="TextBox 9">
+            <a:extLst>
+              <a:ext uri="{FF2B5EF4-FFF2-40B4-BE49-F238E27FC236}">
+                <a16:creationId xmlns:a16="http://schemas.microsoft.com/office/drawing/2014/main" id="{9F6DC3B6-15FF-4C98-F03F-F1BF0E81C8CF}"/>
+              </a:ext>
+            </a:extLst>
+          </p:cNvPr>
+          <p:cNvSpPr txBox="1"/>
+          <p:nvPr/>
+        </p:nvSpPr>
+        <p:spPr>
+          <a:xfrm>
+            <a:off x="1463040" y="4696983"/>
+            <a:ext cx="19314160" cy="923330"/>
+          </a:xfrm>
+          <a:prstGeom prst="rect">
+            <a:avLst/>
+          </a:prstGeom>
+          <a:noFill/>
+        </p:spPr>
+        <p:txBody>
+          <a:bodyPr wrap="square" rtlCol="0" anchor="ctr">
+            <a:spAutoFit/>
+          </a:bodyPr>
+          <a:lstStyle/>
+          <a:p>
+            <a:r>
+              <a:rPr lang="en-US" sz="5400" dirty="0">
+                <a:solidFill>
+                  <a:schemeClr val="bg1"/>
+                </a:solidFill>
+                <a:latin typeface="Avenir Next LT Pro" panose="020B0504020202020204" pitchFamily="34" charset="77"/>
+              </a:rPr>
+              <a:t>Kendall Beaver</a:t>
+            </a:r>
+            <a:r>
+              <a:rPr lang="en-US" sz="5400" baseline="30000" dirty="0">
+                <a:solidFill>
+                  <a:schemeClr val="bg1"/>
+                </a:solidFill>
+                <a:latin typeface="Avenir Next LT Pro" panose="020B0504020202020204" pitchFamily="34" charset="77"/>
+              </a:rPr>
+              <a:t>1</a:t>
+            </a:r>
+            <a:r>
+              <a:rPr lang="en-US" sz="5400" dirty="0">
+                <a:solidFill>
+                  <a:schemeClr val="bg1"/>
+                </a:solidFill>
+                <a:latin typeface="Avenir Next LT Pro" panose="020B0504020202020204" pitchFamily="34" charset="77"/>
+              </a:rPr>
+              <a:t>, Diana Daley</a:t>
+            </a:r>
+            <a:r>
+              <a:rPr lang="en-US" sz="5400" baseline="30000" dirty="0">
+                <a:solidFill>
+                  <a:schemeClr val="bg1"/>
+                </a:solidFill>
+                <a:latin typeface="Avenir Next LT Pro" panose="020B0504020202020204" pitchFamily="34" charset="77"/>
+              </a:rPr>
+              <a:t>2,3</a:t>
+            </a:r>
+            <a:r>
+              <a:rPr lang="en-US" sz="5400" dirty="0">
+                <a:solidFill>
+                  <a:schemeClr val="bg1"/>
+                </a:solidFill>
+                <a:latin typeface="Avenir Next LT Pro" panose="020B0504020202020204" pitchFamily="34" charset="77"/>
+              </a:rPr>
+              <a:t>, Kainan Garrett</a:t>
+            </a:r>
+            <a:r>
+              <a:rPr lang="en-US" sz="5400" baseline="30000" dirty="0">
+                <a:solidFill>
+                  <a:schemeClr val="bg1"/>
+                </a:solidFill>
+                <a:latin typeface="Avenir Next LT Pro" panose="020B0504020202020204" pitchFamily="34" charset="77"/>
+              </a:rPr>
+              <a:t>2</a:t>
+            </a:r>
+          </a:p>
+        </p:txBody>
+      </p:sp>
+      <p:sp>
+        <p:nvSpPr>
+          <p:cNvPr id="11" name="TextBox 10">
+            <a:extLst>
+              <a:ext uri="{FF2B5EF4-FFF2-40B4-BE49-F238E27FC236}">
+                <a16:creationId xmlns:a16="http://schemas.microsoft.com/office/drawing/2014/main" id="{71198150-E6D1-23CF-1357-7D271985768B}"/>
+              </a:ext>
+            </a:extLst>
+          </p:cNvPr>
+          <p:cNvSpPr txBox="1"/>
+          <p:nvPr/>
+        </p:nvSpPr>
+        <p:spPr>
+          <a:xfrm>
+            <a:off x="1341120" y="6070578"/>
+            <a:ext cx="19232880" cy="707886"/>
+          </a:xfrm>
+          <a:prstGeom prst="rect">
+            <a:avLst/>
+          </a:prstGeom>
+          <a:noFill/>
+        </p:spPr>
+        <p:txBody>
+          <a:bodyPr wrap="square" rtlCol="0" anchor="ctr">
+            <a:spAutoFit/>
+          </a:bodyPr>
+          <a:lstStyle/>
+          <a:p>
+            <a:r>
+              <a:rPr lang="en-US" sz="4000" baseline="30000" dirty="0">
+                <a:solidFill>
+                  <a:schemeClr val="bg1"/>
+                </a:solidFill>
+                <a:latin typeface="Avenir Next LT Pro" panose="020B0504020202020204" pitchFamily="34" charset="77"/>
+              </a:rPr>
+              <a:t>1</a:t>
+            </a:r>
+            <a:r>
+              <a:rPr lang="en-US" sz="4000" dirty="0">
+                <a:solidFill>
+                  <a:schemeClr val="bg1"/>
+                </a:solidFill>
+                <a:latin typeface="Avenir Next LT Pro" panose="020B0504020202020204" pitchFamily="34" charset="77"/>
+              </a:rPr>
+              <a:t>Graduate Researcher, </a:t>
+            </a:r>
+            <a:r>
+              <a:rPr lang="en-US" sz="4000" baseline="30000" dirty="0">
+                <a:solidFill>
+                  <a:schemeClr val="bg1"/>
+                </a:solidFill>
+                <a:latin typeface="Avenir Next LT Pro" panose="020B0504020202020204" pitchFamily="34" charset="77"/>
+              </a:rPr>
+              <a:t>2</a:t>
+            </a:r>
+            <a:r>
+              <a:rPr lang="en-US" sz="4000" dirty="0">
+                <a:solidFill>
+                  <a:schemeClr val="bg1"/>
+                </a:solidFill>
+                <a:latin typeface="Avenir Next LT Pro" panose="020B0504020202020204" pitchFamily="34" charset="77"/>
+              </a:rPr>
+              <a:t>College of Information, </a:t>
+            </a:r>
+            <a:r>
+              <a:rPr lang="en-US" sz="4000" baseline="30000" dirty="0">
+                <a:solidFill>
+                  <a:schemeClr val="bg1"/>
+                </a:solidFill>
+                <a:latin typeface="Avenir Next LT Pro" panose="020B0504020202020204" pitchFamily="34" charset="77"/>
+              </a:rPr>
+              <a:t>3</a:t>
+            </a:r>
+            <a:r>
+              <a:rPr lang="en-US" sz="4000" dirty="0">
+                <a:solidFill>
+                  <a:schemeClr val="bg1"/>
+                </a:solidFill>
+                <a:latin typeface="Avenir Next LT Pro" panose="020B0504020202020204" pitchFamily="34" charset="77"/>
+              </a:rPr>
+              <a:t>Advisor &amp; Primary Investigator</a:t>
+            </a:r>
+            <a:endParaRPr lang="en-US" sz="4000" baseline="30000" dirty="0">
+              <a:solidFill>
+                <a:schemeClr val="bg1"/>
+              </a:solidFill>
+              <a:latin typeface="Avenir Next LT Pro" panose="020B0504020202020204" pitchFamily="34" charset="77"/>
             </a:endParaRPr>
           </a:p>
         </p:txBody>
@@ -6530,8 +6604,8 @@
         </p:nvSpPr>
         <p:spPr>
           <a:xfrm>
-            <a:off x="685800" y="9829800"/>
-            <a:ext cx="6400800" cy="2308324"/>
+            <a:off x="685800" y="9885402"/>
+            <a:ext cx="6400800" cy="3416320"/>
           </a:xfrm>
           <a:prstGeom prst="rect">
             <a:avLst/>
@@ -6580,6 +6654,19 @@
                 <a:cs typeface="Calibri" panose="020F0502020204030204" pitchFamily="34" charset="0"/>
               </a:rPr>
               <a:t>Keep word count to minimum</a:t>
+            </a:r>
+          </a:p>
+          <a:p>
+            <a:pPr marL="571500" indent="-571500">
+              <a:buFont typeface="Arial" panose="020B0604020202020204" pitchFamily="34" charset="0"/>
+              <a:buChar char="•"/>
+            </a:pPr>
+            <a:r>
+              <a:rPr lang="en-US" sz="3600" i="1" dirty="0">
+                <a:latin typeface="Avenir Next LT Pro" panose="020B0504020202020204" pitchFamily="34" charset="77"/>
+                <a:cs typeface="Calibri" panose="020F0502020204030204" pitchFamily="34" charset="0"/>
+              </a:rPr>
+              <a:t>They used the software “descript”</a:t>
             </a:r>
           </a:p>
         </p:txBody>
@@ -7006,8 +7093,8 @@
         </p:nvSpPr>
         <p:spPr>
           <a:xfrm>
-            <a:off x="13487400" y="28575000"/>
-            <a:ext cx="6400800" cy="2286000"/>
+            <a:off x="13487400" y="27348746"/>
+            <a:ext cx="6400800" cy="6186309"/>
           </a:xfrm>
           <a:prstGeom prst="rect">
             <a:avLst/>
@@ -7056,6 +7143,46 @@
                 <a:cs typeface="Calibri" panose="020F0502020204030204" pitchFamily="34" charset="0"/>
               </a:rPr>
               <a:t>Keep word count to minimum</a:t>
+            </a:r>
+          </a:p>
+          <a:p>
+            <a:pPr marL="571500" indent="-571500">
+              <a:buFont typeface="Arial" panose="020B0604020202020204" pitchFamily="34" charset="0"/>
+              <a:buChar char="•"/>
+            </a:pPr>
+            <a:r>
+              <a:rPr lang="en-US" sz="3600" i="1" dirty="0">
+                <a:latin typeface="Avenir Next LT Pro" panose="020B0504020202020204" pitchFamily="34" charset="77"/>
+                <a:cs typeface="Calibri" panose="020F0502020204030204" pitchFamily="34" charset="0"/>
+              </a:rPr>
+              <a:t>More data needs to be gathered</a:t>
+            </a:r>
+          </a:p>
+          <a:p>
+            <a:pPr marL="571500" indent="-571500">
+              <a:buFont typeface="Arial" panose="020B0604020202020204" pitchFamily="34" charset="0"/>
+              <a:buChar char="•"/>
+            </a:pPr>
+            <a:r>
+              <a:rPr lang="en-US" sz="3600" i="1" dirty="0">
+                <a:latin typeface="Avenir Next LT Pro" panose="020B0504020202020204" pitchFamily="34" charset="77"/>
+                <a:cs typeface="Calibri" panose="020F0502020204030204" pitchFamily="34" charset="0"/>
+              </a:rPr>
+              <a:t>B/c the participants had time to complete the 2</a:t>
+            </a:r>
+            <a:r>
+              <a:rPr lang="en-US" sz="3600" i="1" baseline="30000" dirty="0">
+                <a:latin typeface="Avenir Next LT Pro" panose="020B0504020202020204" pitchFamily="34" charset="77"/>
+                <a:cs typeface="Calibri" panose="020F0502020204030204" pitchFamily="34" charset="0"/>
+              </a:rPr>
+              <a:t>nd</a:t>
+            </a:r>
+            <a:r>
+              <a:rPr lang="en-US" sz="3600" i="1" dirty="0">
+                <a:latin typeface="Avenir Next LT Pro" panose="020B0504020202020204" pitchFamily="34" charset="77"/>
+                <a:cs typeface="Calibri" panose="020F0502020204030204" pitchFamily="34" charset="0"/>
+              </a:rPr>
+              <a:t> test, it’s possible that external factors may have influenced their responses</a:t>
             </a:r>
           </a:p>
         </p:txBody>
@@ -7075,7 +7202,7 @@
         <p:spPr>
           <a:xfrm>
             <a:off x="30403800" y="29032200"/>
-            <a:ext cx="7543800" cy="1938992"/>
+            <a:ext cx="7543800" cy="2308324"/>
           </a:xfrm>
           <a:prstGeom prst="rect">
             <a:avLst/>
@@ -7093,7 +7220,21 @@
                 <a:latin typeface="Calibri" panose="020F0502020204030204" pitchFamily="34" charset="0"/>
                 <a:cs typeface="Calibri" panose="020F0502020204030204" pitchFamily="34" charset="0"/>
               </a:rPr>
-              <a:t>This is the one section you can use complete sentences to thank those that helped you on your project. Include whoever you would like. Additionally, don’t forget about your logos. You need the KEYS, BIO5, and Ken R. </a:t>
+              <a:t>I would like to thank Diana and </a:t>
+            </a:r>
+            <a:r>
+              <a:rPr lang="en-US" sz="2400" dirty="0" err="1">
+                <a:latin typeface="Calibri" panose="020F0502020204030204" pitchFamily="34" charset="0"/>
+                <a:cs typeface="Calibri" panose="020F0502020204030204" pitchFamily="34" charset="0"/>
+              </a:rPr>
+              <a:t>Kanian</a:t>
+            </a:r>
+            <a:r>
+              <a:rPr lang="en-US" sz="2400" dirty="0">
+                <a:latin typeface="Calibri" panose="020F0502020204030204" pitchFamily="34" charset="0"/>
+                <a:cs typeface="Calibri" panose="020F0502020204030204" pitchFamily="34" charset="0"/>
+              </a:rPr>
+              <a:t> for their support, as well as the financial support of our anonymous donor for this unique and interesting project. Additionally, don’t forget about your logos. You need the KEYS, BIO5, and Ken R. </a:t>
             </a:r>
             <a:r>
               <a:rPr lang="en-US" sz="2400" dirty="0" err="1">
@@ -7112,6 +7253,36 @@
           </a:p>
         </p:txBody>
       </p:sp>
+      <p:pic>
+        <p:nvPicPr>
+          <p:cNvPr id="12" name="Picture 11">
+            <a:extLst>
+              <a:ext uri="{FF2B5EF4-FFF2-40B4-BE49-F238E27FC236}">
+                <a16:creationId xmlns:a16="http://schemas.microsoft.com/office/drawing/2014/main" id="{0797573A-AA5C-4B15-AF11-78A324D11BEF}"/>
+              </a:ext>
+            </a:extLst>
+          </p:cNvPr>
+          <p:cNvPicPr>
+            <a:picLocks noChangeAspect="1"/>
+          </p:cNvPicPr>
+          <p:nvPr/>
+        </p:nvPicPr>
+        <p:blipFill>
+          <a:blip r:embed="rId5"/>
+          <a:stretch>
+            <a:fillRect/>
+          </a:stretch>
+        </p:blipFill>
+        <p:spPr>
+          <a:xfrm>
+            <a:off x="25573143" y="10694962"/>
+            <a:ext cx="12092868" cy="7478738"/>
+          </a:xfrm>
+          <a:prstGeom prst="rect">
+            <a:avLst/>
+          </a:prstGeom>
+        </p:spPr>
+      </p:pic>
     </p:spTree>
     <p:extLst>
       <p:ext uri="{BB962C8B-B14F-4D97-AF65-F5344CB8AC3E}">

--- a/analysis/poster_presentation/Combating Misinformation - A Qualitative Analysis of a Pilot Study.pptx
+++ b/analysis/poster_presentation/Combating Misinformation - A Qualitative Analysis of a Pilot Study.pptx
@@ -2112,7 +2112,7 @@
           <a:p>
             <a:fld id="{7750B8A2-7F95-104C-A50C-A9258E79083D}" type="datetimeFigureOut">
               <a:rPr lang="en-US" smtClean="0"/>
-              <a:t>4/27/2025</a:t>
+              <a:t>4/28/2025</a:t>
             </a:fld>
             <a:endParaRPr lang="en-US"/>
           </a:p>
@@ -2282,7 +2282,7 @@
           <a:p>
             <a:fld id="{7750B8A2-7F95-104C-A50C-A9258E79083D}" type="datetimeFigureOut">
               <a:rPr lang="en-US" smtClean="0"/>
-              <a:t>4/27/2025</a:t>
+              <a:t>4/28/2025</a:t>
             </a:fld>
             <a:endParaRPr lang="en-US"/>
           </a:p>
@@ -2462,7 +2462,7 @@
           <a:p>
             <a:fld id="{7750B8A2-7F95-104C-A50C-A9258E79083D}" type="datetimeFigureOut">
               <a:rPr lang="en-US" smtClean="0"/>
-              <a:t>4/27/2025</a:t>
+              <a:t>4/28/2025</a:t>
             </a:fld>
             <a:endParaRPr lang="en-US"/>
           </a:p>
@@ -2632,7 +2632,7 @@
           <a:p>
             <a:fld id="{7750B8A2-7F95-104C-A50C-A9258E79083D}" type="datetimeFigureOut">
               <a:rPr lang="en-US" smtClean="0"/>
-              <a:t>4/27/2025</a:t>
+              <a:t>4/28/2025</a:t>
             </a:fld>
             <a:endParaRPr lang="en-US"/>
           </a:p>
@@ -2878,7 +2878,7 @@
           <a:p>
             <a:fld id="{7750B8A2-7F95-104C-A50C-A9258E79083D}" type="datetimeFigureOut">
               <a:rPr lang="en-US" smtClean="0"/>
-              <a:t>4/27/2025</a:t>
+              <a:t>4/28/2025</a:t>
             </a:fld>
             <a:endParaRPr lang="en-US"/>
           </a:p>
@@ -3110,7 +3110,7 @@
           <a:p>
             <a:fld id="{7750B8A2-7F95-104C-A50C-A9258E79083D}" type="datetimeFigureOut">
               <a:rPr lang="en-US" smtClean="0"/>
-              <a:t>4/27/2025</a:t>
+              <a:t>4/28/2025</a:t>
             </a:fld>
             <a:endParaRPr lang="en-US"/>
           </a:p>
@@ -3477,7 +3477,7 @@
           <a:p>
             <a:fld id="{7750B8A2-7F95-104C-A50C-A9258E79083D}" type="datetimeFigureOut">
               <a:rPr lang="en-US" smtClean="0"/>
-              <a:t>4/27/2025</a:t>
+              <a:t>4/28/2025</a:t>
             </a:fld>
             <a:endParaRPr lang="en-US"/>
           </a:p>
@@ -3595,7 +3595,7 @@
           <a:p>
             <a:fld id="{7750B8A2-7F95-104C-A50C-A9258E79083D}" type="datetimeFigureOut">
               <a:rPr lang="en-US" smtClean="0"/>
-              <a:t>4/27/2025</a:t>
+              <a:t>4/28/2025</a:t>
             </a:fld>
             <a:endParaRPr lang="en-US"/>
           </a:p>
@@ -3690,7 +3690,7 @@
           <a:p>
             <a:fld id="{7750B8A2-7F95-104C-A50C-A9258E79083D}" type="datetimeFigureOut">
               <a:rPr lang="en-US" smtClean="0"/>
-              <a:t>4/27/2025</a:t>
+              <a:t>4/28/2025</a:t>
             </a:fld>
             <a:endParaRPr lang="en-US"/>
           </a:p>
@@ -3967,7 +3967,7 @@
           <a:p>
             <a:fld id="{7750B8A2-7F95-104C-A50C-A9258E79083D}" type="datetimeFigureOut">
               <a:rPr lang="en-US" smtClean="0"/>
-              <a:t>4/27/2025</a:t>
+              <a:t>4/28/2025</a:t>
             </a:fld>
             <a:endParaRPr lang="en-US"/>
           </a:p>
@@ -4224,7 +4224,7 @@
           <a:p>
             <a:fld id="{7750B8A2-7F95-104C-A50C-A9258E79083D}" type="datetimeFigureOut">
               <a:rPr lang="en-US" smtClean="0"/>
-              <a:t>4/27/2025</a:t>
+              <a:t>4/28/2025</a:t>
             </a:fld>
             <a:endParaRPr lang="en-US"/>
           </a:p>
@@ -4437,7 +4437,7 @@
           <a:p>
             <a:fld id="{7750B8A2-7F95-104C-A50C-A9258E79083D}" type="datetimeFigureOut">
               <a:rPr lang="en-US" smtClean="0"/>
-              <a:t>4/27/2025</a:t>
+              <a:t>4/28/2025</a:t>
             </a:fld>
             <a:endParaRPr lang="en-US"/>
           </a:p>
@@ -4917,7 +4917,7 @@
         <p:spPr>
           <a:xfrm>
             <a:off x="457200" y="457200"/>
-            <a:ext cx="23977600" cy="7315200"/>
+            <a:ext cx="23879908" cy="7315200"/>
           </a:xfrm>
           <a:prstGeom prst="homePlate">
             <a:avLst>
@@ -5052,18 +5052,7 @@
                 </a:solidFill>
                 <a:latin typeface="Avenir Next LT Pro" panose="020B0504020202020204" pitchFamily="34" charset="77"/>
               </a:rPr>
-              <a:t>Combating Misinformation with an Audio Ad: </a:t>
-            </a:r>
-          </a:p>
-          <a:p>
-            <a:r>
-              <a:rPr lang="en-US" sz="7200" b="1" dirty="0">
-                <a:solidFill>
-                  <a:schemeClr val="bg1"/>
-                </a:solidFill>
-                <a:latin typeface="Avenir Next LT Pro" panose="020B0504020202020204" pitchFamily="34" charset="77"/>
-              </a:rPr>
-              <a:t>A Qualitative Analysis of a Pilot Study</a:t>
+              <a:t>Combating Misinformation with a Humorous Audio Ad: A Qualitative Analysis of a Pilot Study</a:t>
             </a:r>
           </a:p>
         </p:txBody>
@@ -7202,7 +7191,7 @@
         <p:spPr>
           <a:xfrm>
             <a:off x="30403800" y="29032200"/>
-            <a:ext cx="7543800" cy="2308324"/>
+            <a:ext cx="7543800" cy="4154984"/>
           </a:xfrm>
           <a:prstGeom prst="rect">
             <a:avLst/>
@@ -7250,6 +7239,61 @@
               </a:rPr>
               <a:t> College of Pharmacy logo and those required by your lab. </a:t>
             </a:r>
+          </a:p>
+          <a:p>
+            <a:r>
+              <a:rPr lang="en-US" sz="2400" dirty="0"/>
+              <a:t>Daly, Diana, and Kainan Jarrette. “Design of Audio Ads to </a:t>
+            </a:r>
+            <a:r>
+              <a:rPr lang="en-US" sz="2400" dirty="0" err="1"/>
+              <a:t>Prebunk</a:t>
+            </a:r>
+            <a:r>
+              <a:rPr lang="en-US" sz="2400" dirty="0"/>
+              <a:t> Misinformation and Promote Civil Discourse.” </a:t>
+            </a:r>
+            <a:r>
+              <a:rPr lang="en-US" sz="2400" i="1" dirty="0"/>
+              <a:t>Information research</a:t>
+            </a:r>
+            <a:r>
+              <a:rPr lang="en-US" sz="2400" dirty="0"/>
+              <a:t> 30.iConf (2025): 249–259. </a:t>
+            </a:r>
+            <a:r>
+              <a:rPr lang="en-US" sz="2400"/>
+              <a:t>Web.</a:t>
+            </a:r>
+          </a:p>
+          <a:p>
+            <a:r>
+              <a:rPr lang="en-US" sz="2400" b="0" i="0" u="sng">
+                <a:effectLst/>
+                <a:latin typeface="Roboto" panose="02000000000000000000" pitchFamily="2" charset="0"/>
+                <a:hlinkClick r:id="rId5"/>
+              </a:rPr>
+              <a:t>10.47989</a:t>
+            </a:r>
+            <a:r>
+              <a:rPr lang="en-US" sz="2400" b="0" i="0" u="sng" dirty="0">
+                <a:effectLst/>
+                <a:latin typeface="Roboto" panose="02000000000000000000" pitchFamily="2" charset="0"/>
+                <a:hlinkClick r:id="rId5"/>
+              </a:rPr>
+              <a:t>/ir30iConf47359</a:t>
+            </a:r>
+            <a:endParaRPr lang="en-US" sz="2400" b="0" i="0" u="sng" dirty="0">
+              <a:effectLst/>
+              <a:latin typeface="Calibri" panose="020F0502020204030204" pitchFamily="34" charset="0"/>
+              <a:cs typeface="Calibri" panose="020F0502020204030204" pitchFamily="34" charset="0"/>
+            </a:endParaRPr>
+          </a:p>
+          <a:p>
+            <a:endParaRPr lang="en-US" sz="2400" dirty="0">
+              <a:latin typeface="Calibri" panose="020F0502020204030204" pitchFamily="34" charset="0"/>
+              <a:cs typeface="Calibri" panose="020F0502020204030204" pitchFamily="34" charset="0"/>
+            </a:endParaRPr>
           </a:p>
         </p:txBody>
       </p:sp>
@@ -7268,7 +7312,7 @@
           <p:nvPr/>
         </p:nvPicPr>
         <p:blipFill>
-          <a:blip r:embed="rId5"/>
+          <a:blip r:embed="rId6"/>
           <a:stretch>
             <a:fillRect/>
           </a:stretch>

--- a/analysis/poster_presentation/Combating Misinformation - A Qualitative Analysis of a Pilot Study.pptx
+++ b/analysis/poster_presentation/Combating Misinformation - A Qualitative Analysis of a Pilot Study.pptx
@@ -2112,7 +2112,7 @@
           <a:p>
             <a:fld id="{7750B8A2-7F95-104C-A50C-A9258E79083D}" type="datetimeFigureOut">
               <a:rPr lang="en-US" smtClean="0"/>
-              <a:t>4/28/2025</a:t>
+              <a:t>5/1/2025</a:t>
             </a:fld>
             <a:endParaRPr lang="en-US"/>
           </a:p>
@@ -2282,7 +2282,7 @@
           <a:p>
             <a:fld id="{7750B8A2-7F95-104C-A50C-A9258E79083D}" type="datetimeFigureOut">
               <a:rPr lang="en-US" smtClean="0"/>
-              <a:t>4/28/2025</a:t>
+              <a:t>5/1/2025</a:t>
             </a:fld>
             <a:endParaRPr lang="en-US"/>
           </a:p>
@@ -2462,7 +2462,7 @@
           <a:p>
             <a:fld id="{7750B8A2-7F95-104C-A50C-A9258E79083D}" type="datetimeFigureOut">
               <a:rPr lang="en-US" smtClean="0"/>
-              <a:t>4/28/2025</a:t>
+              <a:t>5/1/2025</a:t>
             </a:fld>
             <a:endParaRPr lang="en-US"/>
           </a:p>
@@ -2632,7 +2632,7 @@
           <a:p>
             <a:fld id="{7750B8A2-7F95-104C-A50C-A9258E79083D}" type="datetimeFigureOut">
               <a:rPr lang="en-US" smtClean="0"/>
-              <a:t>4/28/2025</a:t>
+              <a:t>5/1/2025</a:t>
             </a:fld>
             <a:endParaRPr lang="en-US"/>
           </a:p>
@@ -2878,7 +2878,7 @@
           <a:p>
             <a:fld id="{7750B8A2-7F95-104C-A50C-A9258E79083D}" type="datetimeFigureOut">
               <a:rPr lang="en-US" smtClean="0"/>
-              <a:t>4/28/2025</a:t>
+              <a:t>5/1/2025</a:t>
             </a:fld>
             <a:endParaRPr lang="en-US"/>
           </a:p>
@@ -3110,7 +3110,7 @@
           <a:p>
             <a:fld id="{7750B8A2-7F95-104C-A50C-A9258E79083D}" type="datetimeFigureOut">
               <a:rPr lang="en-US" smtClean="0"/>
-              <a:t>4/28/2025</a:t>
+              <a:t>5/1/2025</a:t>
             </a:fld>
             <a:endParaRPr lang="en-US"/>
           </a:p>
@@ -3477,7 +3477,7 @@
           <a:p>
             <a:fld id="{7750B8A2-7F95-104C-A50C-A9258E79083D}" type="datetimeFigureOut">
               <a:rPr lang="en-US" smtClean="0"/>
-              <a:t>4/28/2025</a:t>
+              <a:t>5/1/2025</a:t>
             </a:fld>
             <a:endParaRPr lang="en-US"/>
           </a:p>
@@ -3595,7 +3595,7 @@
           <a:p>
             <a:fld id="{7750B8A2-7F95-104C-A50C-A9258E79083D}" type="datetimeFigureOut">
               <a:rPr lang="en-US" smtClean="0"/>
-              <a:t>4/28/2025</a:t>
+              <a:t>5/1/2025</a:t>
             </a:fld>
             <a:endParaRPr lang="en-US"/>
           </a:p>
@@ -3690,7 +3690,7 @@
           <a:p>
             <a:fld id="{7750B8A2-7F95-104C-A50C-A9258E79083D}" type="datetimeFigureOut">
               <a:rPr lang="en-US" smtClean="0"/>
-              <a:t>4/28/2025</a:t>
+              <a:t>5/1/2025</a:t>
             </a:fld>
             <a:endParaRPr lang="en-US"/>
           </a:p>
@@ -3967,7 +3967,7 @@
           <a:p>
             <a:fld id="{7750B8A2-7F95-104C-A50C-A9258E79083D}" type="datetimeFigureOut">
               <a:rPr lang="en-US" smtClean="0"/>
-              <a:t>4/28/2025</a:t>
+              <a:t>5/1/2025</a:t>
             </a:fld>
             <a:endParaRPr lang="en-US"/>
           </a:p>
@@ -4224,7 +4224,7 @@
           <a:p>
             <a:fld id="{7750B8A2-7F95-104C-A50C-A9258E79083D}" type="datetimeFigureOut">
               <a:rPr lang="en-US" smtClean="0"/>
-              <a:t>4/28/2025</a:t>
+              <a:t>5/1/2025</a:t>
             </a:fld>
             <a:endParaRPr lang="en-US"/>
           </a:p>
@@ -4437,7 +4437,7 @@
           <a:p>
             <a:fld id="{7750B8A2-7F95-104C-A50C-A9258E79083D}" type="datetimeFigureOut">
               <a:rPr lang="en-US" smtClean="0"/>
-              <a:t>4/28/2025</a:t>
+              <a:t>5/1/2025</a:t>
             </a:fld>
             <a:endParaRPr lang="en-US"/>
           </a:p>
@@ -5052,7 +5052,7 @@
                 </a:solidFill>
                 <a:latin typeface="Avenir Next LT Pro" panose="020B0504020202020204" pitchFamily="34" charset="77"/>
               </a:rPr>
-              <a:t>Combating Misinformation with a Humorous Audio Ad: A Qualitative Analysis of a Pilot Study</a:t>
+              <a:t>Combating Misinformation with a Humorous Audio Ad: Extending a Mixed Methods Analysis</a:t>
             </a:r>
           </a:p>
         </p:txBody>
